--- a/Mathematical Modelling Project - Group 5.pptx
+++ b/Mathematical Modelling Project - Group 5.pptx
@@ -5,7 +5,7 @@
     <p:sldMasterId id="2147483690" r:id="rId1"/>
   </p:sldMasterIdLst>
   <p:notesMasterIdLst>
-    <p:notesMasterId r:id="rId9"/>
+    <p:notesMasterId r:id="rId10"/>
   </p:notesMasterIdLst>
   <p:sldIdLst>
     <p:sldId id="256" r:id="rId2"/>
@@ -14,24 +14,29 @@
     <p:sldId id="307" r:id="rId5"/>
     <p:sldId id="264" r:id="rId6"/>
     <p:sldId id="308" r:id="rId7"/>
-    <p:sldId id="306" r:id="rId8"/>
+    <p:sldId id="309" r:id="rId8"/>
+    <p:sldId id="306" r:id="rId9"/>
   </p:sldIdLst>
   <p:sldSz cx="12192000" cy="6858000"/>
   <p:notesSz cx="6858000" cy="9144000"/>
   <p:embeddedFontLst>
     <p:embeddedFont>
       <p:font typeface="Calibri" panose="020F0502020204030204" pitchFamily="34" charset="0"/>
-      <p:regular r:id="rId10"/>
-      <p:bold r:id="rId11"/>
-      <p:italic r:id="rId12"/>
-      <p:boldItalic r:id="rId13"/>
+      <p:regular r:id="rId11"/>
+      <p:bold r:id="rId12"/>
+      <p:italic r:id="rId13"/>
+      <p:boldItalic r:id="rId14"/>
     </p:embeddedFont>
     <p:embeddedFont>
       <p:font typeface="Century Gothic" panose="020B0502020202020204" pitchFamily="34" charset="0"/>
-      <p:regular r:id="rId14"/>
-      <p:bold r:id="rId15"/>
-      <p:italic r:id="rId16"/>
-      <p:boldItalic r:id="rId17"/>
+      <p:regular r:id="rId15"/>
+      <p:bold r:id="rId16"/>
+      <p:italic r:id="rId17"/>
+      <p:boldItalic r:id="rId18"/>
+    </p:embeddedFont>
+    <p:embeddedFont>
+      <p:font typeface="Roboto" panose="02000000000000000000" pitchFamily="2" charset="0"/>
+      <p:regular r:id="rId19"/>
     </p:embeddedFont>
   </p:embeddedFontLst>
   <p:defaultTextStyle>
@@ -40043,6 +40048,206 @@
 <file path=ppt/slides/slide7.xml><?xml version="1.0" encoding="utf-8"?>
 <p:sld xmlns:a="http://schemas.openxmlformats.org/drawingml/2006/main" xmlns:r="http://schemas.openxmlformats.org/officeDocument/2006/relationships" xmlns:p="http://schemas.openxmlformats.org/presentationml/2006/main">
   <p:cSld>
+    <p:spTree>
+      <p:nvGrpSpPr>
+        <p:cNvPr id="1" name=""/>
+        <p:cNvGrpSpPr/>
+        <p:nvPr/>
+      </p:nvGrpSpPr>
+      <p:grpSpPr>
+        <a:xfrm>
+          <a:off x="0" y="0"/>
+          <a:ext cx="0" cy="0"/>
+          <a:chOff x="0" y="0"/>
+          <a:chExt cx="0" cy="0"/>
+        </a:xfrm>
+      </p:grpSpPr>
+      <p:sp>
+        <p:nvSpPr>
+          <p:cNvPr id="5" name="Title 4">
+            <a:extLst>
+              <a:ext uri="{FF2B5EF4-FFF2-40B4-BE49-F238E27FC236}">
+                <a16:creationId xmlns:a16="http://schemas.microsoft.com/office/drawing/2014/main" id="{A7FF8CC0-D071-48BA-A9B2-B09F2F8F36AE}"/>
+              </a:ext>
+            </a:extLst>
+          </p:cNvPr>
+          <p:cNvSpPr>
+            <a:spLocks noGrp="1"/>
+          </p:cNvSpPr>
+          <p:nvPr>
+            <p:ph type="title"/>
+          </p:nvPr>
+        </p:nvSpPr>
+        <p:spPr/>
+        <p:txBody>
+          <a:bodyPr/>
+          <a:lstStyle/>
+          <a:p>
+            <a:endParaRPr lang="en-GB"/>
+          </a:p>
+        </p:txBody>
+      </p:sp>
+      <p:sp>
+        <p:nvSpPr>
+          <p:cNvPr id="6" name="Text Placeholder 5">
+            <a:extLst>
+              <a:ext uri="{FF2B5EF4-FFF2-40B4-BE49-F238E27FC236}">
+                <a16:creationId xmlns:a16="http://schemas.microsoft.com/office/drawing/2014/main" id="{FB3A541E-BAA7-4CE4-A414-A3934DD7A2E3}"/>
+              </a:ext>
+            </a:extLst>
+          </p:cNvPr>
+          <p:cNvSpPr>
+            <a:spLocks noGrp="1"/>
+          </p:cNvSpPr>
+          <p:nvPr>
+            <p:ph type="body" idx="1"/>
+          </p:nvPr>
+        </p:nvSpPr>
+        <p:spPr/>
+        <p:txBody>
+          <a:bodyPr/>
+          <a:lstStyle/>
+          <a:p>
+            <a:endParaRPr lang="en-GB"/>
+          </a:p>
+        </p:txBody>
+      </p:sp>
+      <p:sp>
+        <p:nvSpPr>
+          <p:cNvPr id="7" name="Text Placeholder 6">
+            <a:extLst>
+              <a:ext uri="{FF2B5EF4-FFF2-40B4-BE49-F238E27FC236}">
+                <a16:creationId xmlns:a16="http://schemas.microsoft.com/office/drawing/2014/main" id="{FAAA6791-B6B1-48AC-A659-01986CF40924}"/>
+              </a:ext>
+            </a:extLst>
+          </p:cNvPr>
+          <p:cNvSpPr>
+            <a:spLocks noGrp="1"/>
+          </p:cNvSpPr>
+          <p:nvPr>
+            <p:ph type="body" idx="2"/>
+          </p:nvPr>
+        </p:nvSpPr>
+        <p:spPr>
+          <a:xfrm>
+            <a:off x="653143" y="1209734"/>
+            <a:ext cx="10863708" cy="4951985"/>
+          </a:xfrm>
+        </p:spPr>
+        <p:txBody>
+          <a:bodyPr/>
+          <a:lstStyle/>
+          <a:p>
+            <a:pPr algn="l">
+              <a:lnSpc>
+                <a:spcPct val="150000"/>
+              </a:lnSpc>
+            </a:pPr>
+            <a:r>
+              <a:rPr lang="en-GB" b="0" i="0" dirty="0">
+                <a:solidFill>
+                  <a:srgbClr val="333333"/>
+                </a:solidFill>
+                <a:effectLst/>
+                <a:latin typeface="Roboto" panose="02000000000000000000" pitchFamily="2" charset="0"/>
+              </a:rPr>
+              <a:t>Network structure critically influences disease transmission</a:t>
+            </a:r>
+          </a:p>
+          <a:p>
+            <a:pPr algn="l">
+              <a:lnSpc>
+                <a:spcPct val="150000"/>
+              </a:lnSpc>
+            </a:pPr>
+            <a:r>
+              <a:rPr lang="en-GB" b="0" i="0" dirty="0">
+                <a:solidFill>
+                  <a:srgbClr val="333333"/>
+                </a:solidFill>
+                <a:effectLst/>
+                <a:latin typeface="Roboto" panose="02000000000000000000" pitchFamily="2" charset="0"/>
+              </a:rPr>
+              <a:t>Early intervention is more effective than delayed action</a:t>
+            </a:r>
+          </a:p>
+          <a:p>
+            <a:pPr algn="l">
+              <a:lnSpc>
+                <a:spcPct val="150000"/>
+              </a:lnSpc>
+            </a:pPr>
+            <a:r>
+              <a:rPr lang="en-GB" b="0" i="0" dirty="0">
+                <a:solidFill>
+                  <a:srgbClr val="333333"/>
+                </a:solidFill>
+                <a:effectLst/>
+                <a:latin typeface="Roboto" panose="02000000000000000000" pitchFamily="2" charset="0"/>
+              </a:rPr>
+              <a:t>Targeted interventions can be more efficient than broad measures</a:t>
+            </a:r>
+          </a:p>
+          <a:p>
+            <a:pPr algn="l">
+              <a:lnSpc>
+                <a:spcPct val="150000"/>
+              </a:lnSpc>
+            </a:pPr>
+            <a:r>
+              <a:rPr lang="en-GB" b="0" i="0" dirty="0">
+                <a:solidFill>
+                  <a:srgbClr val="333333"/>
+                </a:solidFill>
+                <a:effectLst/>
+                <a:latin typeface="Roboto" panose="02000000000000000000" pitchFamily="2" charset="0"/>
+              </a:rPr>
+              <a:t>Public health decisions require balancing effectiveness, cost, and feasibility</a:t>
+            </a:r>
+          </a:p>
+          <a:p>
+            <a:pPr algn="l">
+              <a:lnSpc>
+                <a:spcPct val="150000"/>
+              </a:lnSpc>
+            </a:pPr>
+            <a:r>
+              <a:rPr lang="en-GB" b="0" i="0" dirty="0">
+                <a:solidFill>
+                  <a:srgbClr val="333333"/>
+                </a:solidFill>
+                <a:effectLst/>
+                <a:latin typeface="Roboto" panose="02000000000000000000" pitchFamily="2" charset="0"/>
+              </a:rPr>
+              <a:t>Mathematical modelling helps evaluate intervention strategies before implementation</a:t>
+            </a:r>
+          </a:p>
+          <a:p>
+            <a:pPr>
+              <a:lnSpc>
+                <a:spcPct val="150000"/>
+              </a:lnSpc>
+            </a:pPr>
+            <a:endParaRPr lang="en-GB" dirty="0"/>
+          </a:p>
+        </p:txBody>
+      </p:sp>
+    </p:spTree>
+    <p:extLst>
+      <p:ext uri="{BB962C8B-B14F-4D97-AF65-F5344CB8AC3E}">
+        <p14:creationId xmlns:p14="http://schemas.microsoft.com/office/powerpoint/2010/main" val="1204885434"/>
+      </p:ext>
+    </p:extLst>
+  </p:cSld>
+  <p:clrMapOvr>
+    <a:masterClrMapping/>
+  </p:clrMapOvr>
+</p:sld>
+</file>
+
+<file path=ppt/slides/slide8.xml><?xml version="1.0" encoding="utf-8"?>
+<p:sld xmlns:a="http://schemas.openxmlformats.org/drawingml/2006/main" xmlns:r="http://schemas.openxmlformats.org/officeDocument/2006/relationships" xmlns:p="http://schemas.openxmlformats.org/presentationml/2006/main">
+  <p:cSld>
     <p:bg>
       <p:bgPr>
         <a:solidFill>
